--- a/Data Visualization/General Election Results_09_08-10_08_instagram.pptx
+++ b/Data Visualization/General Election Results_09_08-10_08_instagram.pptx
@@ -504,7 +504,7 @@
               <a:lstStyle/>
               <a:p>
                 <a:pPr>
-                  <a:defRPr sz="1200" b="1" i="0" u="none" strike="noStrike" kern="1200" baseline="0">
+                  <a:defRPr sz="1100" b="1" i="0" u="none" strike="noStrike" kern="1200" baseline="0">
                     <a:solidFill>
                       <a:schemeClr val="bg1"/>
                     </a:solidFill>
@@ -514,7 +514,7 @@
                   </a:defRPr>
                 </a:pPr>
                 <a:r>
-                  <a:rPr lang="en-US" sz="1200" b="1" dirty="0">
+                  <a:rPr lang="en-US" sz="1100" b="1" dirty="0">
                     <a:solidFill>
                       <a:schemeClr val="bg1"/>
                     </a:solidFill>
@@ -522,14 +522,14 @@
                   <a:t>Weighted</a:t>
                 </a:r>
                 <a:r>
-                  <a:rPr lang="en-US" sz="1200" b="1" baseline="0" dirty="0">
+                  <a:rPr lang="en-US" sz="1100" b="1" baseline="0" dirty="0">
                     <a:solidFill>
                       <a:schemeClr val="bg1"/>
                     </a:solidFill>
                   </a:rPr>
                   <a:t> General Election Poll Percentage (%)</a:t>
                 </a:r>
-                <a:endParaRPr lang="en-US" sz="1200" b="1" dirty="0">
+                <a:endParaRPr lang="en-US" sz="1100" b="1" dirty="0">
                   <a:solidFill>
                     <a:schemeClr val="bg1"/>
                   </a:solidFill>
@@ -558,7 +558,7 @@
             <a:lstStyle/>
             <a:p>
               <a:pPr>
-                <a:defRPr sz="1200" b="1" i="0" u="none" strike="noStrike" kern="1200" baseline="0">
+                <a:defRPr sz="1100" b="1" i="0" u="none" strike="noStrike" kern="1200" baseline="0">
                   <a:solidFill>
                     <a:schemeClr val="bg1"/>
                   </a:solidFill>
@@ -602,6 +602,7 @@
         <c:crossAx val="1205226048"/>
         <c:crosses val="autoZero"/>
         <c:crossBetween val="between"/>
+        <c:majorUnit val="0.1"/>
       </c:valAx>
       <c:spPr>
         <a:noFill/>
@@ -4425,10 +4426,18 @@
           <a:solidFill>
             <a:srgbClr val="393B3D"/>
           </a:solidFill>
-          <a:ln w="28575">
-            <a:solidFill>
-              <a:schemeClr val="tx1"/>
-            </a:solidFill>
+          <a:ln w="38100">
+            <a:gradFill>
+              <a:gsLst>
+                <a:gs pos="0">
+                  <a:srgbClr val="5285C2"/>
+                </a:gs>
+                <a:gs pos="100000">
+                  <a:srgbClr val="E44048"/>
+                </a:gs>
+              </a:gsLst>
+              <a:lin ang="5400000" scaled="1"/>
+            </a:gradFill>
           </a:ln>
         </p:spPr>
         <p:style>
@@ -4469,13 +4478,13 @@
           <p:nvPr>
             <p:extLst>
               <p:ext uri="{D42A27DB-BD31-4B8C-83A1-F6EECF244321}">
-                <p14:modId xmlns:p14="http://schemas.microsoft.com/office/powerpoint/2010/main" val="1391967580"/>
+                <p14:modId xmlns:p14="http://schemas.microsoft.com/office/powerpoint/2010/main" val="2175253544"/>
               </p:ext>
             </p:extLst>
           </p:nvPr>
         </p:nvGraphicFramePr>
         <p:xfrm>
-          <a:off x="1124715" y="550411"/>
+          <a:off x="1124715" y="532655"/>
           <a:ext cx="5852159" cy="5306126"/>
         </p:xfrm>
         <a:graphic>
@@ -4498,8 +4507,8 @@
         </p:nvSpPr>
         <p:spPr>
           <a:xfrm>
-            <a:off x="2138129" y="520296"/>
-            <a:ext cx="4750941" cy="1892826"/>
+            <a:off x="2024009" y="512714"/>
+            <a:ext cx="5049404" cy="1554272"/>
           </a:xfrm>
           <a:prstGeom prst="rect">
             <a:avLst/>
@@ -4513,7 +4522,7 @@
           <a:lstStyle/>
           <a:p>
             <a:r>
-              <a:rPr lang="en-US" sz="1600" b="1" dirty="0">
+              <a:rPr lang="en-US" sz="1500" b="1" dirty="0">
                 <a:solidFill>
                   <a:schemeClr val="bg1"/>
                 </a:solidFill>
@@ -4521,7 +4530,7 @@
               <a:t>Q: </a:t>
             </a:r>
             <a:r>
-              <a:rPr lang="en-US" sz="1600" dirty="0">
+              <a:rPr lang="en-US" sz="1500" dirty="0">
                 <a:solidFill>
                   <a:srgbClr val="E1E2E3"/>
                 </a:solidFill>
@@ -4538,7 +4547,7 @@
           </a:p>
           <a:p>
             <a:r>
-              <a:rPr lang="en-US" sz="1600" b="1" dirty="0">
+              <a:rPr lang="en-US" sz="1500" b="1" dirty="0">
                 <a:solidFill>
                   <a:schemeClr val="bg1"/>
                 </a:solidFill>
@@ -4546,22 +4555,22 @@
               <a:t>A: </a:t>
             </a:r>
             <a:r>
-              <a:rPr lang="en-US" sz="1600" dirty="0">
+              <a:rPr lang="en-US" sz="1500" dirty="0">
                 <a:solidFill>
                   <a:srgbClr val="E1E2E3"/>
                 </a:solidFill>
               </a:rPr>
-              <a:t>An analysis of 475 polls between September 8 and October 8 indicate that Biden is leading in the General Election Polls by 8.48%; however, the Electoral College should still be considered. </a:t>
-            </a:r>
-            <a:r>
-              <a:rPr lang="en-US" sz="1600" baseline="30000" dirty="0">
+              <a:t>An analysis of 475 polls between Sep. 8 and Oct. 8 indicate that Biden is leading in the General Election Polls by 8.48%; however, the Electoral College should still be considered. </a:t>
+            </a:r>
+            <a:r>
+              <a:rPr lang="en-US" sz="1500" baseline="30000" dirty="0">
                 <a:solidFill>
                   <a:srgbClr val="E1E2E3"/>
                 </a:solidFill>
               </a:rPr>
-              <a:t>1,2</a:t>
-            </a:r>
-            <a:endParaRPr lang="en-US" sz="1600" dirty="0">
+              <a:t>1-3</a:t>
+            </a:r>
+            <a:endParaRPr lang="en-US" sz="1500" dirty="0">
               <a:solidFill>
                 <a:srgbClr val="E1E2E3"/>
               </a:solidFill>
@@ -4583,7 +4592,7 @@
         </p:nvSpPr>
         <p:spPr>
           <a:xfrm>
-            <a:off x="1432769" y="5780544"/>
+            <a:off x="1432769" y="5762788"/>
             <a:ext cx="5689389" cy="507831"/>
           </a:xfrm>
           <a:prstGeom prst="rect">
@@ -4688,7 +4697,7 @@
         </p:nvSpPr>
         <p:spPr>
           <a:xfrm>
-            <a:off x="2290591" y="4348535"/>
+            <a:off x="2290591" y="4330779"/>
             <a:ext cx="957313" cy="492443"/>
           </a:xfrm>
           <a:prstGeom prst="rect">
@@ -4727,7 +4736,7 @@
         </p:nvSpPr>
         <p:spPr>
           <a:xfrm>
-            <a:off x="3874489" y="4348535"/>
+            <a:off x="3874489" y="4330779"/>
             <a:ext cx="1058495" cy="492443"/>
           </a:xfrm>
           <a:prstGeom prst="rect">
@@ -4766,7 +4775,7 @@
         </p:nvSpPr>
         <p:spPr>
           <a:xfrm>
-            <a:off x="5234862" y="5405622"/>
+            <a:off x="5234862" y="5387866"/>
             <a:ext cx="1560042" cy="323165"/>
           </a:xfrm>
           <a:prstGeom prst="rect">
@@ -4807,7 +4816,7 @@
         </p:nvCxnSpPr>
         <p:spPr>
           <a:xfrm>
-            <a:off x="1897596" y="568169"/>
+            <a:off x="1916646" y="550413"/>
             <a:ext cx="0" cy="5217349"/>
           </a:xfrm>
           <a:prstGeom prst="line">
@@ -4852,7 +4861,7 @@
         </p:nvCxnSpPr>
         <p:spPr>
           <a:xfrm flipH="1">
-            <a:off x="1839153" y="5702158"/>
+            <a:off x="1839153" y="5684402"/>
             <a:ext cx="4970015" cy="0"/>
           </a:xfrm>
           <a:prstGeom prst="line">
@@ -4895,7 +4904,7 @@
         </p:nvSpPr>
         <p:spPr>
           <a:xfrm>
-            <a:off x="5225984" y="3122118"/>
+            <a:off x="5225984" y="3104362"/>
             <a:ext cx="123825" cy="448056"/>
           </a:xfrm>
           <a:prstGeom prst="rightBrace">
@@ -4951,7 +4960,7 @@
         </p:nvSpPr>
         <p:spPr>
           <a:xfrm>
-            <a:off x="5397434" y="3139710"/>
+            <a:off x="5397434" y="3121954"/>
             <a:ext cx="821059" cy="400110"/>
           </a:xfrm>
           <a:prstGeom prst="rect">
@@ -4992,7 +5001,7 @@
         </p:nvCxnSpPr>
         <p:spPr>
           <a:xfrm>
-            <a:off x="3667307" y="3113509"/>
+            <a:off x="3667307" y="3095753"/>
             <a:ext cx="1428473" cy="0"/>
           </a:xfrm>
           <a:prstGeom prst="line">

--- a/Data Visualization/General Election Results_09_08-10_08_instagram.pptx
+++ b/Data Visualization/General Election Results_09_08-10_08_instagram.pptx
@@ -466,8 +466,8 @@
           <c:showPercent val="0"/>
           <c:showBubbleSize val="0"/>
         </c:dLbls>
-        <c:gapWidth val="15"/>
-        <c:overlap val="-10"/>
+        <c:gapWidth val="20"/>
+        <c:overlap val="-12"/>
         <c:axId val="1205226048"/>
         <c:axId val="449269888"/>
       </c:barChart>
@@ -4736,7 +4736,7 @@
         </p:nvSpPr>
         <p:spPr>
           <a:xfrm>
-            <a:off x="3874489" y="4330779"/>
+            <a:off x="3892245" y="4330779"/>
             <a:ext cx="1058495" cy="492443"/>
           </a:xfrm>
           <a:prstGeom prst="rect">
@@ -4775,8 +4775,8 @@
         </p:nvSpPr>
         <p:spPr>
           <a:xfrm>
-            <a:off x="5234862" y="5387866"/>
-            <a:ext cx="1560042" cy="323165"/>
+            <a:off x="5243740" y="5396744"/>
+            <a:ext cx="1470274" cy="307777"/>
           </a:xfrm>
           <a:prstGeom prst="rect">
             <a:avLst/>
@@ -4790,7 +4790,7 @@
           <a:lstStyle/>
           <a:p>
             <a:r>
-              <a:rPr lang="en-US" sz="1500" dirty="0">
+              <a:rPr lang="en-US" sz="1400" dirty="0">
                 <a:solidFill>
                   <a:schemeClr val="bg1"/>
                 </a:solidFill>
@@ -4816,7 +4816,7 @@
         </p:nvCxnSpPr>
         <p:spPr>
           <a:xfrm>
-            <a:off x="1916646" y="550413"/>
+            <a:off x="1917293" y="550413"/>
             <a:ext cx="0" cy="5217349"/>
           </a:xfrm>
           <a:prstGeom prst="line">
